--- a/Document/캐릭터/캐릭터.pptx
+++ b/Document/캐릭터/캐릭터.pptx
@@ -109,6 +109,11 @@
       </a:defRPr>
     </a:lvl9pPr>
   </p:defaultTextStyle>
+  <p:extLst>
+    <p:ext uri="{EFAFB233-063F-42B5-8137-9DF3F51BA10A}">
+      <p15:sldGuideLst xmlns:p15="http://schemas.microsoft.com/office/powerpoint/2012/main"/>
+    </p:ext>
+  </p:extLst>
 </p:presentation>
 </file>
 
@@ -194,7 +199,7 @@
           <a:p>
             <a:fld id="{A0BF30D6-E1E2-4772-9B81-646F66D45BA3}" type="datetimeFigureOut">
               <a:rPr lang="ko-KR" altLang="en-US" smtClean="0"/>
-              <a:t>2022-03-03(Thu)</a:t>
+              <a:t>2022-03-04(Fri)</a:t>
             </a:fld>
             <a:endParaRPr lang="ko-KR" altLang="en-US"/>
           </a:p>
@@ -776,7 +781,7 @@
           <a:p>
             <a:fld id="{7AC81696-96AF-4522-BBCD-0E3AAB77DEBE}" type="datetimeFigureOut">
               <a:rPr lang="ko-KR" altLang="en-US" smtClean="0"/>
-              <a:t>2022-03-03(Thu)</a:t>
+              <a:t>2022-03-04(Fri)</a:t>
             </a:fld>
             <a:endParaRPr lang="ko-KR" altLang="en-US"/>
           </a:p>
@@ -974,7 +979,7 @@
           <a:p>
             <a:fld id="{7AC81696-96AF-4522-BBCD-0E3AAB77DEBE}" type="datetimeFigureOut">
               <a:rPr lang="ko-KR" altLang="en-US" smtClean="0"/>
-              <a:t>2022-03-03(Thu)</a:t>
+              <a:t>2022-03-04(Fri)</a:t>
             </a:fld>
             <a:endParaRPr lang="ko-KR" altLang="en-US"/>
           </a:p>
@@ -1182,7 +1187,7 @@
           <a:p>
             <a:fld id="{7AC81696-96AF-4522-BBCD-0E3AAB77DEBE}" type="datetimeFigureOut">
               <a:rPr lang="ko-KR" altLang="en-US" smtClean="0"/>
-              <a:t>2022-03-03(Thu)</a:t>
+              <a:t>2022-03-04(Fri)</a:t>
             </a:fld>
             <a:endParaRPr lang="ko-KR" altLang="en-US"/>
           </a:p>
@@ -1632,7 +1637,7 @@
           <a:p>
             <a:fld id="{7AC81696-96AF-4522-BBCD-0E3AAB77DEBE}" type="datetimeFigureOut">
               <a:rPr lang="ko-KR" altLang="en-US" smtClean="0"/>
-              <a:t>2022-03-03(Thu)</a:t>
+              <a:t>2022-03-04(Fri)</a:t>
             </a:fld>
             <a:endParaRPr lang="ko-KR" altLang="en-US"/>
           </a:p>
@@ -1907,7 +1912,7 @@
           <a:p>
             <a:fld id="{7AC81696-96AF-4522-BBCD-0E3AAB77DEBE}" type="datetimeFigureOut">
               <a:rPr lang="ko-KR" altLang="en-US" smtClean="0"/>
-              <a:t>2022-03-03(Thu)</a:t>
+              <a:t>2022-03-04(Fri)</a:t>
             </a:fld>
             <a:endParaRPr lang="ko-KR" altLang="en-US"/>
           </a:p>
@@ -2172,7 +2177,7 @@
           <a:p>
             <a:fld id="{7AC81696-96AF-4522-BBCD-0E3AAB77DEBE}" type="datetimeFigureOut">
               <a:rPr lang="ko-KR" altLang="en-US" smtClean="0"/>
-              <a:t>2022-03-03(Thu)</a:t>
+              <a:t>2022-03-04(Fri)</a:t>
             </a:fld>
             <a:endParaRPr lang="ko-KR" altLang="en-US"/>
           </a:p>
@@ -2584,7 +2589,7 @@
           <a:p>
             <a:fld id="{7AC81696-96AF-4522-BBCD-0E3AAB77DEBE}" type="datetimeFigureOut">
               <a:rPr lang="ko-KR" altLang="en-US" smtClean="0"/>
-              <a:t>2022-03-03(Thu)</a:t>
+              <a:t>2022-03-04(Fri)</a:t>
             </a:fld>
             <a:endParaRPr lang="ko-KR" altLang="en-US"/>
           </a:p>
@@ -2725,7 +2730,7 @@
           <a:p>
             <a:fld id="{7AC81696-96AF-4522-BBCD-0E3AAB77DEBE}" type="datetimeFigureOut">
               <a:rPr lang="ko-KR" altLang="en-US" smtClean="0"/>
-              <a:t>2022-03-03(Thu)</a:t>
+              <a:t>2022-03-04(Fri)</a:t>
             </a:fld>
             <a:endParaRPr lang="ko-KR" altLang="en-US"/>
           </a:p>
@@ -2838,7 +2843,7 @@
           <a:p>
             <a:fld id="{7AC81696-96AF-4522-BBCD-0E3AAB77DEBE}" type="datetimeFigureOut">
               <a:rPr lang="ko-KR" altLang="en-US" smtClean="0"/>
-              <a:t>2022-03-03(Thu)</a:t>
+              <a:t>2022-03-04(Fri)</a:t>
             </a:fld>
             <a:endParaRPr lang="ko-KR" altLang="en-US"/>
           </a:p>
@@ -3149,7 +3154,7 @@
           <a:p>
             <a:fld id="{7AC81696-96AF-4522-BBCD-0E3AAB77DEBE}" type="datetimeFigureOut">
               <a:rPr lang="ko-KR" altLang="en-US" smtClean="0"/>
-              <a:t>2022-03-03(Thu)</a:t>
+              <a:t>2022-03-04(Fri)</a:t>
             </a:fld>
             <a:endParaRPr lang="ko-KR" altLang="en-US"/>
           </a:p>
@@ -3437,7 +3442,7 @@
           <a:p>
             <a:fld id="{7AC81696-96AF-4522-BBCD-0E3AAB77DEBE}" type="datetimeFigureOut">
               <a:rPr lang="ko-KR" altLang="en-US" smtClean="0"/>
-              <a:t>2022-03-03(Thu)</a:t>
+              <a:t>2022-03-04(Fri)</a:t>
             </a:fld>
             <a:endParaRPr lang="ko-KR" altLang="en-US"/>
           </a:p>
@@ -3678,7 +3683,7 @@
           <a:p>
             <a:fld id="{7AC81696-96AF-4522-BBCD-0E3AAB77DEBE}" type="datetimeFigureOut">
               <a:rPr lang="ko-KR" altLang="en-US" smtClean="0"/>
-              <a:t>2022-03-03(Thu)</a:t>
+              <a:t>2022-03-04(Fri)</a:t>
             </a:fld>
             <a:endParaRPr lang="ko-KR" altLang="en-US"/>
           </a:p>
@@ -6780,7 +6785,7 @@
           <a:p>
             <a:r>
               <a:rPr lang="en-US" altLang="ko-KR" dirty="0"/>
-              <a:t>1</a:t>
+              <a:t>2</a:t>
             </a:r>
             <a:endParaRPr lang="ko-KR" altLang="en-US" dirty="0"/>
           </a:p>

--- a/Document/캐릭터/캐릭터.pptx
+++ b/Document/캐릭터/캐릭터.pptx
@@ -199,7 +199,7 @@
           <a:p>
             <a:fld id="{A0BF30D6-E1E2-4772-9B81-646F66D45BA3}" type="datetimeFigureOut">
               <a:rPr lang="ko-KR" altLang="en-US" smtClean="0"/>
-              <a:t>2022-03-04(Fri)</a:t>
+              <a:t>2022-03-08(Tue)</a:t>
             </a:fld>
             <a:endParaRPr lang="ko-KR" altLang="en-US"/>
           </a:p>
@@ -781,7 +781,7 @@
           <a:p>
             <a:fld id="{7AC81696-96AF-4522-BBCD-0E3AAB77DEBE}" type="datetimeFigureOut">
               <a:rPr lang="ko-KR" altLang="en-US" smtClean="0"/>
-              <a:t>2022-03-04(Fri)</a:t>
+              <a:t>2022-03-08(Tue)</a:t>
             </a:fld>
             <a:endParaRPr lang="ko-KR" altLang="en-US"/>
           </a:p>
@@ -979,7 +979,7 @@
           <a:p>
             <a:fld id="{7AC81696-96AF-4522-BBCD-0E3AAB77DEBE}" type="datetimeFigureOut">
               <a:rPr lang="ko-KR" altLang="en-US" smtClean="0"/>
-              <a:t>2022-03-04(Fri)</a:t>
+              <a:t>2022-03-08(Tue)</a:t>
             </a:fld>
             <a:endParaRPr lang="ko-KR" altLang="en-US"/>
           </a:p>
@@ -1187,7 +1187,7 @@
           <a:p>
             <a:fld id="{7AC81696-96AF-4522-BBCD-0E3AAB77DEBE}" type="datetimeFigureOut">
               <a:rPr lang="ko-KR" altLang="en-US" smtClean="0"/>
-              <a:t>2022-03-04(Fri)</a:t>
+              <a:t>2022-03-08(Tue)</a:t>
             </a:fld>
             <a:endParaRPr lang="ko-KR" altLang="en-US"/>
           </a:p>
@@ -1637,7 +1637,7 @@
           <a:p>
             <a:fld id="{7AC81696-96AF-4522-BBCD-0E3AAB77DEBE}" type="datetimeFigureOut">
               <a:rPr lang="ko-KR" altLang="en-US" smtClean="0"/>
-              <a:t>2022-03-04(Fri)</a:t>
+              <a:t>2022-03-08(Tue)</a:t>
             </a:fld>
             <a:endParaRPr lang="ko-KR" altLang="en-US"/>
           </a:p>
@@ -1912,7 +1912,7 @@
           <a:p>
             <a:fld id="{7AC81696-96AF-4522-BBCD-0E3AAB77DEBE}" type="datetimeFigureOut">
               <a:rPr lang="ko-KR" altLang="en-US" smtClean="0"/>
-              <a:t>2022-03-04(Fri)</a:t>
+              <a:t>2022-03-08(Tue)</a:t>
             </a:fld>
             <a:endParaRPr lang="ko-KR" altLang="en-US"/>
           </a:p>
@@ -2177,7 +2177,7 @@
           <a:p>
             <a:fld id="{7AC81696-96AF-4522-BBCD-0E3AAB77DEBE}" type="datetimeFigureOut">
               <a:rPr lang="ko-KR" altLang="en-US" smtClean="0"/>
-              <a:t>2022-03-04(Fri)</a:t>
+              <a:t>2022-03-08(Tue)</a:t>
             </a:fld>
             <a:endParaRPr lang="ko-KR" altLang="en-US"/>
           </a:p>
@@ -2589,7 +2589,7 @@
           <a:p>
             <a:fld id="{7AC81696-96AF-4522-BBCD-0E3AAB77DEBE}" type="datetimeFigureOut">
               <a:rPr lang="ko-KR" altLang="en-US" smtClean="0"/>
-              <a:t>2022-03-04(Fri)</a:t>
+              <a:t>2022-03-08(Tue)</a:t>
             </a:fld>
             <a:endParaRPr lang="ko-KR" altLang="en-US"/>
           </a:p>
@@ -2730,7 +2730,7 @@
           <a:p>
             <a:fld id="{7AC81696-96AF-4522-BBCD-0E3AAB77DEBE}" type="datetimeFigureOut">
               <a:rPr lang="ko-KR" altLang="en-US" smtClean="0"/>
-              <a:t>2022-03-04(Fri)</a:t>
+              <a:t>2022-03-08(Tue)</a:t>
             </a:fld>
             <a:endParaRPr lang="ko-KR" altLang="en-US"/>
           </a:p>
@@ -2843,7 +2843,7 @@
           <a:p>
             <a:fld id="{7AC81696-96AF-4522-BBCD-0E3AAB77DEBE}" type="datetimeFigureOut">
               <a:rPr lang="ko-KR" altLang="en-US" smtClean="0"/>
-              <a:t>2022-03-04(Fri)</a:t>
+              <a:t>2022-03-08(Tue)</a:t>
             </a:fld>
             <a:endParaRPr lang="ko-KR" altLang="en-US"/>
           </a:p>
@@ -3154,7 +3154,7 @@
           <a:p>
             <a:fld id="{7AC81696-96AF-4522-BBCD-0E3AAB77DEBE}" type="datetimeFigureOut">
               <a:rPr lang="ko-KR" altLang="en-US" smtClean="0"/>
-              <a:t>2022-03-04(Fri)</a:t>
+              <a:t>2022-03-08(Tue)</a:t>
             </a:fld>
             <a:endParaRPr lang="ko-KR" altLang="en-US"/>
           </a:p>
@@ -3442,7 +3442,7 @@
           <a:p>
             <a:fld id="{7AC81696-96AF-4522-BBCD-0E3AAB77DEBE}" type="datetimeFigureOut">
               <a:rPr lang="ko-KR" altLang="en-US" smtClean="0"/>
-              <a:t>2022-03-04(Fri)</a:t>
+              <a:t>2022-03-08(Tue)</a:t>
             </a:fld>
             <a:endParaRPr lang="ko-KR" altLang="en-US"/>
           </a:p>
@@ -3683,7 +3683,7 @@
           <a:p>
             <a:fld id="{7AC81696-96AF-4522-BBCD-0E3AAB77DEBE}" type="datetimeFigureOut">
               <a:rPr lang="ko-KR" altLang="en-US" smtClean="0"/>
-              <a:t>2022-03-04(Fri)</a:t>
+              <a:t>2022-03-08(Tue)</a:t>
             </a:fld>
             <a:endParaRPr lang="ko-KR" altLang="en-US"/>
           </a:p>
@@ -4087,6 +4087,17 @@
 <file path=ppt/slides/slide1.xml><?xml version="1.0" encoding="utf-8"?>
 <p:sld xmlns:a="http://schemas.openxmlformats.org/drawingml/2006/main" xmlns:r="http://schemas.openxmlformats.org/officeDocument/2006/relationships" xmlns:p="http://schemas.openxmlformats.org/presentationml/2006/main">
   <p:cSld>
+    <p:bg>
+      <p:bgPr>
+        <a:solidFill>
+          <a:schemeClr val="accent4">
+            <a:lumMod val="40000"/>
+            <a:lumOff val="60000"/>
+          </a:schemeClr>
+        </a:solidFill>
+        <a:effectLst/>
+      </p:bgPr>
+    </p:bg>
     <p:spTree>
       <p:nvGrpSpPr>
         <p:cNvPr id="1" name=""/>
@@ -4195,6 +4206,58 @@
       </p:grpSpPr>
       <p:sp>
         <p:nvSpPr>
+          <p:cNvPr id="9" name="사각형: 둥근 모서리 8">
+            <a:extLst>
+              <a:ext uri="{FF2B5EF4-FFF2-40B4-BE49-F238E27FC236}">
+                <a16:creationId xmlns:a16="http://schemas.microsoft.com/office/drawing/2014/main" id="{8953F22E-79C4-48A6-9AC6-D19C898B479B}"/>
+              </a:ext>
+            </a:extLst>
+          </p:cNvPr>
+          <p:cNvSpPr/>
+          <p:nvPr/>
+        </p:nvSpPr>
+        <p:spPr>
+          <a:xfrm>
+            <a:off x="0" y="966441"/>
+            <a:ext cx="2138470" cy="560977"/>
+          </a:xfrm>
+          <a:prstGeom prst="roundRect">
+            <a:avLst/>
+          </a:prstGeom>
+          <a:solidFill>
+            <a:schemeClr val="accent4">
+              <a:lumMod val="40000"/>
+              <a:lumOff val="60000"/>
+            </a:schemeClr>
+          </a:solidFill>
+        </p:spPr>
+        <p:style>
+          <a:lnRef idx="2">
+            <a:schemeClr val="accent1">
+              <a:shade val="50000"/>
+            </a:schemeClr>
+          </a:lnRef>
+          <a:fillRef idx="1">
+            <a:schemeClr val="accent1"/>
+          </a:fillRef>
+          <a:effectRef idx="0">
+            <a:schemeClr val="accent1"/>
+          </a:effectRef>
+          <a:fontRef idx="minor">
+            <a:schemeClr val="lt1"/>
+          </a:fontRef>
+        </p:style>
+        <p:txBody>
+          <a:bodyPr rtlCol="0" anchor="ctr"/>
+          <a:lstStyle/>
+          <a:p>
+            <a:pPr algn="ctr"/>
+            <a:endParaRPr lang="ko-KR" altLang="en-US"/>
+          </a:p>
+        </p:txBody>
+      </p:sp>
+      <p:sp>
+        <p:nvSpPr>
           <p:cNvPr id="8" name="직사각형 7"/>
           <p:cNvSpPr/>
           <p:nvPr/>
@@ -5507,6 +5570,146 @@
               <a:t>1</a:t>
             </a:r>
             <a:endParaRPr lang="ko-KR" altLang="en-US" dirty="0"/>
+          </a:p>
+        </p:txBody>
+      </p:sp>
+      <p:sp>
+        <p:nvSpPr>
+          <p:cNvPr id="34" name="TextBox 33">
+            <a:extLst>
+              <a:ext uri="{FF2B5EF4-FFF2-40B4-BE49-F238E27FC236}">
+                <a16:creationId xmlns:a16="http://schemas.microsoft.com/office/drawing/2014/main" id="{1CC5A161-6147-4624-999D-F3703ED270D9}"/>
+              </a:ext>
+            </a:extLst>
+          </p:cNvPr>
+          <p:cNvSpPr txBox="1"/>
+          <p:nvPr/>
+        </p:nvSpPr>
+        <p:spPr>
+          <a:xfrm>
+            <a:off x="142708" y="1089329"/>
+            <a:ext cx="2074747" cy="369332"/>
+          </a:xfrm>
+          <a:prstGeom prst="rect">
+            <a:avLst/>
+          </a:prstGeom>
+          <a:noFill/>
+        </p:spPr>
+        <p:txBody>
+          <a:bodyPr wrap="square">
+            <a:spAutoFit/>
+          </a:bodyPr>
+          <a:lstStyle/>
+          <a:p>
+            <a:r>
+              <a:rPr lang="ko-KR" altLang="en-US" sz="1800" b="1" dirty="0"/>
+              <a:t>일반 캐릭터 </a:t>
+            </a:r>
+            <a:r>
+              <a:rPr lang="en-US" altLang="ko-KR" sz="1800" b="1" dirty="0"/>
+              <a:t>FSM</a:t>
+            </a:r>
+            <a:r>
+              <a:rPr lang="ko-KR" altLang="en-US" sz="1800" b="1" dirty="0"/>
+              <a:t> </a:t>
+            </a:r>
+            <a:endParaRPr lang="ko-KR" altLang="en-US" dirty="0"/>
+          </a:p>
+        </p:txBody>
+      </p:sp>
+      <p:sp>
+        <p:nvSpPr>
+          <p:cNvPr id="35" name="TextBox 34">
+            <a:extLst>
+              <a:ext uri="{FF2B5EF4-FFF2-40B4-BE49-F238E27FC236}">
+                <a16:creationId xmlns:a16="http://schemas.microsoft.com/office/drawing/2014/main" id="{98B6BBF5-5E63-4925-8C5C-87F04F467B6B}"/>
+              </a:ext>
+            </a:extLst>
+          </p:cNvPr>
+          <p:cNvSpPr txBox="1"/>
+          <p:nvPr/>
+        </p:nvSpPr>
+        <p:spPr>
+          <a:xfrm>
+            <a:off x="2217455" y="1096038"/>
+            <a:ext cx="2231997" cy="369332"/>
+          </a:xfrm>
+          <a:prstGeom prst="rect">
+            <a:avLst/>
+          </a:prstGeom>
+          <a:noFill/>
+        </p:spPr>
+        <p:txBody>
+          <a:bodyPr wrap="square">
+            <a:spAutoFit/>
+          </a:bodyPr>
+          <a:lstStyle/>
+          <a:p>
+            <a:r>
+              <a:rPr lang="ko-KR" altLang="en-US" sz="1800" b="1" dirty="0"/>
+              <a:t>납치자 캐릭터 </a:t>
+            </a:r>
+            <a:r>
+              <a:rPr lang="en-US" altLang="ko-KR" sz="1800" b="1" dirty="0"/>
+              <a:t>FSM</a:t>
+            </a:r>
+            <a:r>
+              <a:rPr lang="ko-KR" altLang="en-US" sz="1800" b="1" dirty="0"/>
+              <a:t> </a:t>
+            </a:r>
+            <a:endParaRPr lang="ko-KR" altLang="en-US" dirty="0"/>
+          </a:p>
+        </p:txBody>
+      </p:sp>
+      <p:sp>
+        <p:nvSpPr>
+          <p:cNvPr id="5" name="직사각형 4">
+            <a:extLst>
+              <a:ext uri="{FF2B5EF4-FFF2-40B4-BE49-F238E27FC236}">
+                <a16:creationId xmlns:a16="http://schemas.microsoft.com/office/drawing/2014/main" id="{6D5DFE1A-CE1E-479F-8297-323F1C88EF3E}"/>
+              </a:ext>
+            </a:extLst>
+          </p:cNvPr>
+          <p:cNvSpPr/>
+          <p:nvPr/>
+        </p:nvSpPr>
+        <p:spPr>
+          <a:xfrm>
+            <a:off x="2138470" y="1028491"/>
+            <a:ext cx="45719" cy="436879"/>
+          </a:xfrm>
+          <a:prstGeom prst="rect">
+            <a:avLst/>
+          </a:prstGeom>
+          <a:solidFill>
+            <a:schemeClr val="tx1"/>
+          </a:solidFill>
+          <a:ln>
+            <a:noFill/>
+          </a:ln>
+        </p:spPr>
+        <p:style>
+          <a:lnRef idx="2">
+            <a:schemeClr val="accent1">
+              <a:shade val="50000"/>
+            </a:schemeClr>
+          </a:lnRef>
+          <a:fillRef idx="1">
+            <a:schemeClr val="accent1"/>
+          </a:fillRef>
+          <a:effectRef idx="0">
+            <a:schemeClr val="accent1"/>
+          </a:effectRef>
+          <a:fontRef idx="minor">
+            <a:schemeClr val="lt1"/>
+          </a:fontRef>
+        </p:style>
+        <p:txBody>
+          <a:bodyPr rtlCol="0" anchor="ctr"/>
+          <a:lstStyle/>
+          <a:p>
+            <a:pPr algn="ctr"/>
+            <a:endParaRPr lang="ko-KR" altLang="en-US"/>
           </a:p>
         </p:txBody>
       </p:sp>
@@ -5542,6 +5745,58 @@
       </p:grpSpPr>
       <p:sp>
         <p:nvSpPr>
+          <p:cNvPr id="43" name="사각형: 둥근 모서리 42">
+            <a:extLst>
+              <a:ext uri="{FF2B5EF4-FFF2-40B4-BE49-F238E27FC236}">
+                <a16:creationId xmlns:a16="http://schemas.microsoft.com/office/drawing/2014/main" id="{53951758-1BA3-434A-ABE4-F7EBB622409F}"/>
+              </a:ext>
+            </a:extLst>
+          </p:cNvPr>
+          <p:cNvSpPr/>
+          <p:nvPr/>
+        </p:nvSpPr>
+        <p:spPr>
+          <a:xfrm>
+            <a:off x="2184189" y="938123"/>
+            <a:ext cx="2231996" cy="560977"/>
+          </a:xfrm>
+          <a:prstGeom prst="roundRect">
+            <a:avLst/>
+          </a:prstGeom>
+          <a:solidFill>
+            <a:schemeClr val="accent4">
+              <a:lumMod val="40000"/>
+              <a:lumOff val="60000"/>
+            </a:schemeClr>
+          </a:solidFill>
+        </p:spPr>
+        <p:style>
+          <a:lnRef idx="2">
+            <a:schemeClr val="accent1">
+              <a:shade val="50000"/>
+            </a:schemeClr>
+          </a:lnRef>
+          <a:fillRef idx="1">
+            <a:schemeClr val="accent1"/>
+          </a:fillRef>
+          <a:effectRef idx="0">
+            <a:schemeClr val="accent1"/>
+          </a:effectRef>
+          <a:fontRef idx="minor">
+            <a:schemeClr val="lt1"/>
+          </a:fontRef>
+        </p:style>
+        <p:txBody>
+          <a:bodyPr rtlCol="0" anchor="ctr"/>
+          <a:lstStyle/>
+          <a:p>
+            <a:pPr algn="ctr"/>
+            <a:endParaRPr lang="ko-KR" altLang="en-US"/>
+          </a:p>
+        </p:txBody>
+      </p:sp>
+      <p:sp>
+        <p:nvSpPr>
           <p:cNvPr id="8" name="직사각형 7"/>
           <p:cNvSpPr/>
           <p:nvPr/>
@@ -6788,6 +7043,146 @@
               <a:t>2</a:t>
             </a:r>
             <a:endParaRPr lang="ko-KR" altLang="en-US" dirty="0"/>
+          </a:p>
+        </p:txBody>
+      </p:sp>
+      <p:sp>
+        <p:nvSpPr>
+          <p:cNvPr id="33" name="TextBox 32">
+            <a:extLst>
+              <a:ext uri="{FF2B5EF4-FFF2-40B4-BE49-F238E27FC236}">
+                <a16:creationId xmlns:a16="http://schemas.microsoft.com/office/drawing/2014/main" id="{6AE001F1-656D-4071-834D-907A6827A17A}"/>
+              </a:ext>
+            </a:extLst>
+          </p:cNvPr>
+          <p:cNvSpPr txBox="1"/>
+          <p:nvPr/>
+        </p:nvSpPr>
+        <p:spPr>
+          <a:xfrm>
+            <a:off x="142708" y="1089329"/>
+            <a:ext cx="2074747" cy="369332"/>
+          </a:xfrm>
+          <a:prstGeom prst="rect">
+            <a:avLst/>
+          </a:prstGeom>
+          <a:noFill/>
+        </p:spPr>
+        <p:txBody>
+          <a:bodyPr wrap="square">
+            <a:spAutoFit/>
+          </a:bodyPr>
+          <a:lstStyle/>
+          <a:p>
+            <a:r>
+              <a:rPr lang="ko-KR" altLang="en-US" sz="1800" b="1" dirty="0"/>
+              <a:t>일반 캐릭터 </a:t>
+            </a:r>
+            <a:r>
+              <a:rPr lang="en-US" altLang="ko-KR" sz="1800" b="1" dirty="0"/>
+              <a:t>FSM</a:t>
+            </a:r>
+            <a:r>
+              <a:rPr lang="ko-KR" altLang="en-US" sz="1800" b="1" dirty="0"/>
+              <a:t> </a:t>
+            </a:r>
+            <a:endParaRPr lang="ko-KR" altLang="en-US" dirty="0"/>
+          </a:p>
+        </p:txBody>
+      </p:sp>
+      <p:sp>
+        <p:nvSpPr>
+          <p:cNvPr id="34" name="TextBox 33">
+            <a:extLst>
+              <a:ext uri="{FF2B5EF4-FFF2-40B4-BE49-F238E27FC236}">
+                <a16:creationId xmlns:a16="http://schemas.microsoft.com/office/drawing/2014/main" id="{B65352A5-0169-4CE9-8AB9-2D0F1A224FFB}"/>
+              </a:ext>
+            </a:extLst>
+          </p:cNvPr>
+          <p:cNvSpPr txBox="1"/>
+          <p:nvPr/>
+        </p:nvSpPr>
+        <p:spPr>
+          <a:xfrm>
+            <a:off x="2217455" y="1096038"/>
+            <a:ext cx="2231997" cy="369332"/>
+          </a:xfrm>
+          <a:prstGeom prst="rect">
+            <a:avLst/>
+          </a:prstGeom>
+          <a:noFill/>
+        </p:spPr>
+        <p:txBody>
+          <a:bodyPr wrap="square">
+            <a:spAutoFit/>
+          </a:bodyPr>
+          <a:lstStyle/>
+          <a:p>
+            <a:r>
+              <a:rPr lang="ko-KR" altLang="en-US" sz="1800" b="1" dirty="0"/>
+              <a:t>납치자 캐릭터 </a:t>
+            </a:r>
+            <a:r>
+              <a:rPr lang="en-US" altLang="ko-KR" sz="1800" b="1" dirty="0"/>
+              <a:t>FSM</a:t>
+            </a:r>
+            <a:r>
+              <a:rPr lang="ko-KR" altLang="en-US" sz="1800" b="1" dirty="0"/>
+              <a:t> </a:t>
+            </a:r>
+            <a:endParaRPr lang="ko-KR" altLang="en-US" dirty="0"/>
+          </a:p>
+        </p:txBody>
+      </p:sp>
+      <p:sp>
+        <p:nvSpPr>
+          <p:cNvPr id="35" name="직사각형 34">
+            <a:extLst>
+              <a:ext uri="{FF2B5EF4-FFF2-40B4-BE49-F238E27FC236}">
+                <a16:creationId xmlns:a16="http://schemas.microsoft.com/office/drawing/2014/main" id="{D965E8D6-8D58-442E-99D2-ED7C799F3D62}"/>
+              </a:ext>
+            </a:extLst>
+          </p:cNvPr>
+          <p:cNvSpPr/>
+          <p:nvPr/>
+        </p:nvSpPr>
+        <p:spPr>
+          <a:xfrm>
+            <a:off x="2138470" y="1028491"/>
+            <a:ext cx="45719" cy="436879"/>
+          </a:xfrm>
+          <a:prstGeom prst="rect">
+            <a:avLst/>
+          </a:prstGeom>
+          <a:solidFill>
+            <a:schemeClr val="tx1"/>
+          </a:solidFill>
+          <a:ln>
+            <a:noFill/>
+          </a:ln>
+        </p:spPr>
+        <p:style>
+          <a:lnRef idx="2">
+            <a:schemeClr val="accent1">
+              <a:shade val="50000"/>
+            </a:schemeClr>
+          </a:lnRef>
+          <a:fillRef idx="1">
+            <a:schemeClr val="accent1"/>
+          </a:fillRef>
+          <a:effectRef idx="0">
+            <a:schemeClr val="accent1"/>
+          </a:effectRef>
+          <a:fontRef idx="minor">
+            <a:schemeClr val="lt1"/>
+          </a:fontRef>
+        </p:style>
+        <p:txBody>
+          <a:bodyPr rtlCol="0" anchor="ctr"/>
+          <a:lstStyle/>
+          <a:p>
+            <a:pPr algn="ctr"/>
+            <a:endParaRPr lang="ko-KR" altLang="en-US"/>
           </a:p>
         </p:txBody>
       </p:sp>

--- a/Document/캐릭터/캐릭터.pptx
+++ b/Document/캐릭터/캐릭터.pptx
@@ -199,7 +199,7 @@
           <a:p>
             <a:fld id="{A0BF30D6-E1E2-4772-9B81-646F66D45BA3}" type="datetimeFigureOut">
               <a:rPr lang="ko-KR" altLang="en-US" smtClean="0"/>
-              <a:t>2022-03-08(Tue)</a:t>
+              <a:t>2022-03-15(Tue)</a:t>
             </a:fld>
             <a:endParaRPr lang="ko-KR" altLang="en-US"/>
           </a:p>
@@ -781,7 +781,7 @@
           <a:p>
             <a:fld id="{7AC81696-96AF-4522-BBCD-0E3AAB77DEBE}" type="datetimeFigureOut">
               <a:rPr lang="ko-KR" altLang="en-US" smtClean="0"/>
-              <a:t>2022-03-08(Tue)</a:t>
+              <a:t>2022-03-15(Tue)</a:t>
             </a:fld>
             <a:endParaRPr lang="ko-KR" altLang="en-US"/>
           </a:p>
@@ -979,7 +979,7 @@
           <a:p>
             <a:fld id="{7AC81696-96AF-4522-BBCD-0E3AAB77DEBE}" type="datetimeFigureOut">
               <a:rPr lang="ko-KR" altLang="en-US" smtClean="0"/>
-              <a:t>2022-03-08(Tue)</a:t>
+              <a:t>2022-03-15(Tue)</a:t>
             </a:fld>
             <a:endParaRPr lang="ko-KR" altLang="en-US"/>
           </a:p>
@@ -1187,7 +1187,7 @@
           <a:p>
             <a:fld id="{7AC81696-96AF-4522-BBCD-0E3AAB77DEBE}" type="datetimeFigureOut">
               <a:rPr lang="ko-KR" altLang="en-US" smtClean="0"/>
-              <a:t>2022-03-08(Tue)</a:t>
+              <a:t>2022-03-15(Tue)</a:t>
             </a:fld>
             <a:endParaRPr lang="ko-KR" altLang="en-US"/>
           </a:p>
@@ -1637,7 +1637,7 @@
           <a:p>
             <a:fld id="{7AC81696-96AF-4522-BBCD-0E3AAB77DEBE}" type="datetimeFigureOut">
               <a:rPr lang="ko-KR" altLang="en-US" smtClean="0"/>
-              <a:t>2022-03-08(Tue)</a:t>
+              <a:t>2022-03-15(Tue)</a:t>
             </a:fld>
             <a:endParaRPr lang="ko-KR" altLang="en-US"/>
           </a:p>
@@ -1912,7 +1912,7 @@
           <a:p>
             <a:fld id="{7AC81696-96AF-4522-BBCD-0E3AAB77DEBE}" type="datetimeFigureOut">
               <a:rPr lang="ko-KR" altLang="en-US" smtClean="0"/>
-              <a:t>2022-03-08(Tue)</a:t>
+              <a:t>2022-03-15(Tue)</a:t>
             </a:fld>
             <a:endParaRPr lang="ko-KR" altLang="en-US"/>
           </a:p>
@@ -2177,7 +2177,7 @@
           <a:p>
             <a:fld id="{7AC81696-96AF-4522-BBCD-0E3AAB77DEBE}" type="datetimeFigureOut">
               <a:rPr lang="ko-KR" altLang="en-US" smtClean="0"/>
-              <a:t>2022-03-08(Tue)</a:t>
+              <a:t>2022-03-15(Tue)</a:t>
             </a:fld>
             <a:endParaRPr lang="ko-KR" altLang="en-US"/>
           </a:p>
@@ -2589,7 +2589,7 @@
           <a:p>
             <a:fld id="{7AC81696-96AF-4522-BBCD-0E3AAB77DEBE}" type="datetimeFigureOut">
               <a:rPr lang="ko-KR" altLang="en-US" smtClean="0"/>
-              <a:t>2022-03-08(Tue)</a:t>
+              <a:t>2022-03-15(Tue)</a:t>
             </a:fld>
             <a:endParaRPr lang="ko-KR" altLang="en-US"/>
           </a:p>
@@ -2730,7 +2730,7 @@
           <a:p>
             <a:fld id="{7AC81696-96AF-4522-BBCD-0E3AAB77DEBE}" type="datetimeFigureOut">
               <a:rPr lang="ko-KR" altLang="en-US" smtClean="0"/>
-              <a:t>2022-03-08(Tue)</a:t>
+              <a:t>2022-03-15(Tue)</a:t>
             </a:fld>
             <a:endParaRPr lang="ko-KR" altLang="en-US"/>
           </a:p>
@@ -2843,7 +2843,7 @@
           <a:p>
             <a:fld id="{7AC81696-96AF-4522-BBCD-0E3AAB77DEBE}" type="datetimeFigureOut">
               <a:rPr lang="ko-KR" altLang="en-US" smtClean="0"/>
-              <a:t>2022-03-08(Tue)</a:t>
+              <a:t>2022-03-15(Tue)</a:t>
             </a:fld>
             <a:endParaRPr lang="ko-KR" altLang="en-US"/>
           </a:p>
@@ -3154,7 +3154,7 @@
           <a:p>
             <a:fld id="{7AC81696-96AF-4522-BBCD-0E3AAB77DEBE}" type="datetimeFigureOut">
               <a:rPr lang="ko-KR" altLang="en-US" smtClean="0"/>
-              <a:t>2022-03-08(Tue)</a:t>
+              <a:t>2022-03-15(Tue)</a:t>
             </a:fld>
             <a:endParaRPr lang="ko-KR" altLang="en-US"/>
           </a:p>
@@ -3442,7 +3442,7 @@
           <a:p>
             <a:fld id="{7AC81696-96AF-4522-BBCD-0E3AAB77DEBE}" type="datetimeFigureOut">
               <a:rPr lang="ko-KR" altLang="en-US" smtClean="0"/>
-              <a:t>2022-03-08(Tue)</a:t>
+              <a:t>2022-03-15(Tue)</a:t>
             </a:fld>
             <a:endParaRPr lang="ko-KR" altLang="en-US"/>
           </a:p>
@@ -3683,7 +3683,7 @@
           <a:p>
             <a:fld id="{7AC81696-96AF-4522-BBCD-0E3AAB77DEBE}" type="datetimeFigureOut">
               <a:rPr lang="ko-KR" altLang="en-US" smtClean="0"/>
-              <a:t>2022-03-08(Tue)</a:t>
+              <a:t>2022-03-15(Tue)</a:t>
             </a:fld>
             <a:endParaRPr lang="ko-KR" altLang="en-US"/>
           </a:p>
@@ -4887,8 +4887,8 @@
         </p:nvSpPr>
         <p:spPr>
           <a:xfrm>
-            <a:off x="4838297" y="3007615"/>
-            <a:ext cx="1072730" cy="230832"/>
+            <a:off x="4728518" y="2989393"/>
+            <a:ext cx="1228221" cy="369332"/>
           </a:xfrm>
           <a:prstGeom prst="rect">
             <a:avLst/>
@@ -4903,15 +4903,14 @@
           <a:p>
             <a:r>
               <a:rPr lang="ko-KR" altLang="en-US" sz="900" b="1" dirty="0"/>
-              <a:t>갈 방향으로</a:t>
-            </a:r>
-            <a:r>
-              <a:rPr lang="en-US" altLang="ko-KR" sz="900" b="1" dirty="0"/>
-              <a:t> </a:t>
-            </a:r>
+              <a:t>조이스틱을 원하는</a:t>
+            </a:r>
+            <a:endParaRPr lang="en-US" altLang="ko-KR" sz="900" b="1" dirty="0"/>
+          </a:p>
+          <a:p>
             <a:r>
               <a:rPr lang="ko-KR" altLang="en-US" sz="900" b="1" dirty="0"/>
-              <a:t>이동</a:t>
+              <a:t>방향으로 밀었을 때</a:t>
             </a:r>
             <a:endParaRPr lang="en-US" altLang="ko-KR" sz="900" b="1" dirty="0"/>
           </a:p>
@@ -5407,8 +5406,8 @@
         </p:nvSpPr>
         <p:spPr>
           <a:xfrm>
-            <a:off x="4205501" y="1923578"/>
-            <a:ext cx="686406" cy="230832"/>
+            <a:off x="3879219" y="1789853"/>
+            <a:ext cx="1263487" cy="369332"/>
           </a:xfrm>
           <a:prstGeom prst="rect">
             <a:avLst/>
@@ -5423,7 +5422,14 @@
           <a:p>
             <a:r>
               <a:rPr lang="ko-KR" altLang="en-US" sz="900" b="1" dirty="0"/>
-              <a:t>제작 시작</a:t>
+              <a:t>제련소에서 아이템을</a:t>
+            </a:r>
+            <a:endParaRPr lang="en-US" altLang="ko-KR" sz="900" b="1" dirty="0"/>
+          </a:p>
+          <a:p>
+            <a:r>
+              <a:rPr lang="ko-KR" altLang="en-US" sz="900" b="1" dirty="0"/>
+              <a:t> 제련기에 넣었을 때</a:t>
             </a:r>
             <a:endParaRPr lang="en-US" altLang="ko-KR" sz="900" b="1" dirty="0"/>
           </a:p>
@@ -5443,8 +5449,8 @@
         </p:nvSpPr>
         <p:spPr>
           <a:xfrm>
-            <a:off x="4167760" y="2414659"/>
-            <a:ext cx="686406" cy="230832"/>
+            <a:off x="3764345" y="2414659"/>
+            <a:ext cx="1649811" cy="369332"/>
           </a:xfrm>
           <a:prstGeom prst="rect">
             <a:avLst/>
@@ -5459,7 +5465,14 @@
           <a:p>
             <a:r>
               <a:rPr lang="ko-KR" altLang="en-US" sz="900" b="1" dirty="0"/>
-              <a:t>제작 완료</a:t>
+              <a:t>제련기에서 제련된 아이템을</a:t>
+            </a:r>
+            <a:br>
+              <a:rPr lang="en-US" altLang="ko-KR" sz="900" b="1" dirty="0"/>
+            </a:br>
+            <a:r>
+              <a:rPr lang="ko-KR" altLang="en-US" sz="900" b="1" dirty="0"/>
+              <a:t>꺼냈을 때</a:t>
             </a:r>
             <a:endParaRPr lang="en-US" altLang="ko-KR" sz="900" b="1" dirty="0"/>
           </a:p>
@@ -6382,8 +6395,8 @@
         </p:nvSpPr>
         <p:spPr>
           <a:xfrm>
-            <a:off x="4838297" y="3007615"/>
-            <a:ext cx="1072730" cy="230832"/>
+            <a:off x="4723319" y="2989393"/>
+            <a:ext cx="1188146" cy="369332"/>
           </a:xfrm>
           <a:prstGeom prst="rect">
             <a:avLst/>
@@ -6398,15 +6411,14 @@
           <a:p>
             <a:r>
               <a:rPr lang="ko-KR" altLang="en-US" sz="900" b="1" dirty="0"/>
-              <a:t>갈 방향으로</a:t>
-            </a:r>
-            <a:r>
-              <a:rPr lang="en-US" altLang="ko-KR" sz="900" b="1" dirty="0"/>
-              <a:t> </a:t>
-            </a:r>
+              <a:t>조이스틱을 원하는</a:t>
+            </a:r>
+            <a:endParaRPr lang="en-US" altLang="ko-KR" sz="900" b="1" dirty="0"/>
+          </a:p>
+          <a:p>
             <a:r>
               <a:rPr lang="ko-KR" altLang="en-US" sz="900" b="1" dirty="0"/>
-              <a:t>이동</a:t>
+              <a:t>방향으로 밀었을 때</a:t>
             </a:r>
             <a:endParaRPr lang="en-US" altLang="ko-KR" sz="900" b="1" dirty="0"/>
           </a:p>
